--- a/fig7.pptx
+++ b/fig7.pptx
@@ -3409,12 +3409,12 @@
         <p:spPr>
           <a:xfrm>
             <a:off x="8759327" y="1483568"/>
-            <a:ext cx="275982" cy="0"/>
+            <a:ext cx="274320" cy="0"/>
           </a:xfrm>
           <a:prstGeom prst="line">
             <a:avLst/>
           </a:prstGeom>
-          <a:ln>
+          <a:ln w="9525">
             <a:solidFill>
               <a:schemeClr val="tx1"/>
             </a:solidFill>
@@ -3452,12 +3452,12 @@
         <p:spPr>
           <a:xfrm>
             <a:off x="8759327" y="4896693"/>
-            <a:ext cx="282332" cy="0"/>
+            <a:ext cx="274320" cy="0"/>
           </a:xfrm>
           <a:prstGeom prst="line">
             <a:avLst/>
           </a:prstGeom>
-          <a:ln>
+          <a:ln w="9525">
             <a:solidFill>
               <a:schemeClr val="tx1"/>
             </a:solidFill>
@@ -3494,13 +3494,13 @@
         </p:nvCxnSpPr>
         <p:spPr>
           <a:xfrm>
-            <a:off x="8759327" y="3191718"/>
-            <a:ext cx="282332" cy="0"/>
+            <a:off x="8759327" y="3188543"/>
+            <a:ext cx="274320" cy="0"/>
           </a:xfrm>
           <a:prstGeom prst="line">
             <a:avLst/>
           </a:prstGeom>
-          <a:ln>
+          <a:ln w="9525">
             <a:solidFill>
               <a:schemeClr val="tx1"/>
             </a:solidFill>
